--- a/slides/AWS-Config-Lambda-Elasticsearch.pptx
+++ b/slides/AWS-Config-Lambda-Elasticsearch.pptx
@@ -5,10 +5,10 @@
     <p:sldMasterId id="2147483852" r:id="rId1"/>
   </p:sldMasterIdLst>
   <p:notesMasterIdLst>
-    <p:notesMasterId r:id="rId8"/>
+    <p:notesMasterId r:id="rId9"/>
   </p:notesMasterIdLst>
   <p:handoutMasterIdLst>
-    <p:handoutMasterId r:id="rId9"/>
+    <p:handoutMasterId r:id="rId10"/>
   </p:handoutMasterIdLst>
   <p:sldIdLst>
     <p:sldId id="256" r:id="rId2"/>
@@ -16,7 +16,8 @@
     <p:sldId id="266" r:id="rId4"/>
     <p:sldId id="267" r:id="rId5"/>
     <p:sldId id="262" r:id="rId6"/>
-    <p:sldId id="265" r:id="rId7"/>
+    <p:sldId id="268" r:id="rId7"/>
+    <p:sldId id="265" r:id="rId8"/>
   </p:sldIdLst>
   <p:sldSz cx="9144000" cy="6858000" type="screen4x3"/>
   <p:notesSz cx="6858000" cy="9144000"/>
@@ -201,7 +202,7 @@
             <a:fld id="{814910AB-AEF0-414C-82CB-791080B1186B}" type="datetimeFigureOut">
               <a:rPr lang="en-US" smtClean="0"/>
               <a:pPr/>
-              <a:t>4/4/2018</a:t>
+              <a:t>4/15/2018</a:t>
             </a:fld>
             <a:endParaRPr lang="en-US" dirty="0"/>
           </a:p>
@@ -368,7 +369,7 @@
             <a:fld id="{5B4AE38D-E020-46F3-803D-8636C5B7B74E}" type="datetimeFigureOut">
               <a:rPr lang="en-US" smtClean="0"/>
               <a:pPr/>
-              <a:t>4/4/2018</a:t>
+              <a:t>4/15/2018</a:t>
             </a:fld>
             <a:endParaRPr lang="en-US" dirty="0"/>
           </a:p>
@@ -946,7 +947,7 @@
             <a:fld id="{7DDB771E-4AED-4DD3-8AA1-5D9FD2224F14}" type="datetimeFigureOut">
               <a:rPr lang="en-US" smtClean="0"/>
               <a:pPr/>
-              <a:t>4/4/2018</a:t>
+              <a:t>4/15/2018</a:t>
             </a:fld>
             <a:endParaRPr lang="en-US" dirty="0"/>
           </a:p>
@@ -1113,7 +1114,7 @@
             <a:fld id="{7DDB771E-4AED-4DD3-8AA1-5D9FD2224F14}" type="datetimeFigureOut">
               <a:rPr lang="en-US" smtClean="0"/>
               <a:pPr/>
-              <a:t>4/4/2018</a:t>
+              <a:t>4/15/2018</a:t>
             </a:fld>
             <a:endParaRPr lang="en-US" dirty="0"/>
           </a:p>
@@ -1290,7 +1291,7 @@
             <a:fld id="{7DDB771E-4AED-4DD3-8AA1-5D9FD2224F14}" type="datetimeFigureOut">
               <a:rPr lang="en-US" smtClean="0"/>
               <a:pPr/>
-              <a:t>4/4/2018</a:t>
+              <a:t>4/15/2018</a:t>
             </a:fld>
             <a:endParaRPr lang="en-US" dirty="0"/>
           </a:p>
@@ -1457,7 +1458,7 @@
             <a:fld id="{7DDB771E-4AED-4DD3-8AA1-5D9FD2224F14}" type="datetimeFigureOut">
               <a:rPr lang="en-US" smtClean="0"/>
               <a:pPr/>
-              <a:t>4/4/2018</a:t>
+              <a:t>4/15/2018</a:t>
             </a:fld>
             <a:endParaRPr lang="en-US" dirty="0"/>
           </a:p>
@@ -1700,7 +1701,7 @@
             <a:fld id="{7DDB771E-4AED-4DD3-8AA1-5D9FD2224F14}" type="datetimeFigureOut">
               <a:rPr lang="en-US" smtClean="0"/>
               <a:pPr/>
-              <a:t>4/4/2018</a:t>
+              <a:t>4/15/2018</a:t>
             </a:fld>
             <a:endParaRPr lang="en-US" dirty="0"/>
           </a:p>
@@ -1985,7 +1986,7 @@
             <a:fld id="{7DDB771E-4AED-4DD3-8AA1-5D9FD2224F14}" type="datetimeFigureOut">
               <a:rPr lang="en-US" smtClean="0"/>
               <a:pPr/>
-              <a:t>4/4/2018</a:t>
+              <a:t>4/15/2018</a:t>
             </a:fld>
             <a:endParaRPr lang="en-US" dirty="0"/>
           </a:p>
@@ -2404,7 +2405,7 @@
             <a:fld id="{7DDB771E-4AED-4DD3-8AA1-5D9FD2224F14}" type="datetimeFigureOut">
               <a:rPr lang="en-US" smtClean="0"/>
               <a:pPr/>
-              <a:t>4/4/2018</a:t>
+              <a:t>4/15/2018</a:t>
             </a:fld>
             <a:endParaRPr lang="en-US" dirty="0"/>
           </a:p>
@@ -2519,7 +2520,7 @@
             <a:fld id="{7DDB771E-4AED-4DD3-8AA1-5D9FD2224F14}" type="datetimeFigureOut">
               <a:rPr lang="en-US" smtClean="0"/>
               <a:pPr/>
-              <a:t>4/4/2018</a:t>
+              <a:t>4/15/2018</a:t>
             </a:fld>
             <a:endParaRPr lang="en-US" dirty="0"/>
           </a:p>
@@ -2611,7 +2612,7 @@
             <a:fld id="{7DDB771E-4AED-4DD3-8AA1-5D9FD2224F14}" type="datetimeFigureOut">
               <a:rPr lang="en-US" smtClean="0"/>
               <a:pPr/>
-              <a:t>4/4/2018</a:t>
+              <a:t>4/15/2018</a:t>
             </a:fld>
             <a:endParaRPr lang="en-US" dirty="0"/>
           </a:p>
@@ -2885,7 +2886,7 @@
             <a:fld id="{7DDB771E-4AED-4DD3-8AA1-5D9FD2224F14}" type="datetimeFigureOut">
               <a:rPr lang="en-US" smtClean="0"/>
               <a:pPr/>
-              <a:t>4/4/2018</a:t>
+              <a:t>4/15/2018</a:t>
             </a:fld>
             <a:endParaRPr lang="en-US" dirty="0"/>
           </a:p>
@@ -3135,7 +3136,7 @@
             <a:fld id="{7DDB771E-4AED-4DD3-8AA1-5D9FD2224F14}" type="datetimeFigureOut">
               <a:rPr lang="en-US" smtClean="0"/>
               <a:pPr/>
-              <a:t>4/4/2018</a:t>
+              <a:t>4/15/2018</a:t>
             </a:fld>
             <a:endParaRPr lang="en-US" dirty="0"/>
           </a:p>
@@ -3345,7 +3346,7 @@
             <a:fld id="{7DDB771E-4AED-4DD3-8AA1-5D9FD2224F14}" type="datetimeFigureOut">
               <a:rPr lang="en-US" smtClean="0"/>
               <a:pPr/>
-              <a:t>4/4/2018</a:t>
+              <a:t>4/15/2018</a:t>
             </a:fld>
             <a:endParaRPr lang="en-US" dirty="0"/>
           </a:p>
@@ -3724,8 +3725,8 @@
         </p:nvSpPr>
         <p:spPr>
           <a:xfrm>
-            <a:off x="3629111" y="4261150"/>
-            <a:ext cx="1630638" cy="646331"/>
+            <a:off x="3117273" y="4261150"/>
+            <a:ext cx="2660072" cy="646331"/>
           </a:xfrm>
           <a:prstGeom prst="rect">
             <a:avLst/>
@@ -3733,7 +3734,7 @@
           <a:noFill/>
         </p:spPr>
         <p:txBody>
-          <a:bodyPr wrap="none" rtlCol="0">
+          <a:bodyPr wrap="square" rtlCol="0">
             <a:spAutoFit/>
           </a:bodyPr>
           <a:lstStyle/>
@@ -3800,7 +3801,31 @@
                 <a:ea typeface="+mj-ea"/>
                 <a:cs typeface="+mj-cs"/>
               </a:rPr>
-              <a:t>Using S3 Events to Import AWS Config Snapshots into ElasticSearch with Lambda</a:t>
+              <a:t>Using S3 Events </a:t>
+            </a:r>
+            <a:r>
+              <a:rPr lang="en-US" sz="4400" dirty="0" smtClean="0">
+                <a:latin typeface="+mj-lt"/>
+                <a:ea typeface="+mj-ea"/>
+                <a:cs typeface="+mj-cs"/>
+              </a:rPr>
+              <a:t>and Lambda to </a:t>
+            </a:r>
+            <a:r>
+              <a:rPr lang="en-US" sz="4400" dirty="0" smtClean="0">
+                <a:latin typeface="+mj-lt"/>
+                <a:ea typeface="+mj-ea"/>
+                <a:cs typeface="+mj-cs"/>
+              </a:rPr>
+              <a:t>Import AWS Config Snapshots into </a:t>
+            </a:r>
+            <a:r>
+              <a:rPr lang="en-US" sz="4400" dirty="0" smtClean="0">
+                <a:latin typeface="+mj-lt"/>
+                <a:ea typeface="+mj-ea"/>
+                <a:cs typeface="+mj-cs"/>
+              </a:rPr>
+              <a:t>ElasticSearch</a:t>
             </a:r>
             <a:endParaRPr kumimoji="0" lang="en-US" sz="4400" b="0" i="0" u="none" strike="noStrike" kern="1200" cap="none" spc="0" normalizeH="0" baseline="0" noProof="0" dirty="0">
               <a:ln>
@@ -3879,7 +3904,15 @@
             </a:r>
             <a:r>
               <a:rPr lang="en-US" dirty="0"/>
-              <a:t>AWS Config provides a detailed view of your configurations of your AWS resources and their relationships to other resources. For example, you can find out which resources are set up in your default VPC or which Availability Zone has the most EC2 instances. </a:t>
+              <a:t>AWS Config provides a detailed view of your </a:t>
+            </a:r>
+            <a:r>
+              <a:rPr lang="en-US" dirty="0" smtClean="0"/>
+              <a:t>AWS </a:t>
+            </a:r>
+            <a:r>
+              <a:rPr lang="en-US" dirty="0"/>
+              <a:t>resources and their relationships to other resources. For example, you can find out which resources are set up in your default VPC or which Availability Zone has the most EC2 instances. </a:t>
             </a:r>
             <a:endParaRPr lang="en-US" dirty="0" smtClean="0"/>
           </a:p>
@@ -3922,11 +3955,7 @@
             </a:pPr>
             <a:r>
               <a:rPr lang="en-US" dirty="0" smtClean="0"/>
-              <a:t> Using S3 Events and Lambda we can run a  python script when a AWS Config Snapshot is written to S3, </a:t>
-            </a:r>
-            <a:r>
-              <a:rPr lang="en-US" dirty="0" smtClean="0"/>
-              <a:t>parse </a:t>
+              <a:t> Using S3 Events and Lambda we can run a  python script when a AWS Config Snapshot is written to S3, parse </a:t>
             </a:r>
             <a:r>
               <a:rPr lang="en-US" dirty="0"/>
@@ -4495,8 +4524,8 @@
           </p:nvSpPr>
           <p:spPr>
             <a:xfrm rot="17637858">
-              <a:off x="2969478" y="3332860"/>
-              <a:ext cx="1093954" cy="307777"/>
+              <a:off x="2897669" y="3222360"/>
+              <a:ext cx="1335802" cy="307777"/>
             </a:xfrm>
             <a:prstGeom prst="rect">
               <a:avLst/>
@@ -4504,7 +4533,7 @@
             <a:noFill/>
           </p:spPr>
           <p:txBody>
-            <a:bodyPr wrap="none" rtlCol="0">
+            <a:bodyPr wrap="square" rtlCol="0">
               <a:spAutoFit/>
             </a:bodyPr>
             <a:lstStyle/>
@@ -4696,7 +4725,15 @@
             </a:pPr>
             <a:r>
               <a:rPr lang="en-US" dirty="0" smtClean="0"/>
-              <a:t>  To save time AWS Config/S3/Lambda/Elasticsearch Stack has already been configured using CloudFormation</a:t>
+              <a:t>  To save time AWS Config/S3/Lambda/Elasticsearch </a:t>
+            </a:r>
+            <a:r>
+              <a:rPr lang="en-US" dirty="0" smtClean="0"/>
+              <a:t>have already </a:t>
+            </a:r>
+            <a:r>
+              <a:rPr lang="en-US" dirty="0" smtClean="0"/>
+              <a:t>been configured using CloudFormation</a:t>
             </a:r>
           </a:p>
           <a:p>
@@ -4751,6 +4788,59 @@
 </file>
 
 <file path=ppt/slides/slide6.xml><?xml version="1.0" encoding="utf-8"?>
+<p:sld xmlns:a="http://schemas.openxmlformats.org/drawingml/2006/main" xmlns:r="http://schemas.openxmlformats.org/officeDocument/2006/relationships" xmlns:p="http://schemas.openxmlformats.org/presentationml/2006/main">
+  <p:cSld>
+    <p:spTree>
+      <p:nvGrpSpPr>
+        <p:cNvPr id="1" name=""/>
+        <p:cNvGrpSpPr/>
+        <p:nvPr/>
+      </p:nvGrpSpPr>
+      <p:grpSpPr>
+        <a:xfrm>
+          <a:off x="0" y="0"/>
+          <a:ext cx="0" cy="0"/>
+          <a:chOff x="0" y="0"/>
+          <a:chExt cx="0" cy="0"/>
+        </a:xfrm>
+      </p:grpSpPr>
+      <p:sp>
+        <p:nvSpPr>
+          <p:cNvPr id="2" name="Title 1"/>
+          <p:cNvSpPr>
+            <a:spLocks noGrp="1"/>
+          </p:cNvSpPr>
+          <p:nvPr>
+            <p:ph type="title"/>
+          </p:nvPr>
+        </p:nvSpPr>
+        <p:spPr/>
+        <p:txBody>
+          <a:bodyPr/>
+          <a:lstStyle/>
+          <a:p>
+            <a:r>
+              <a:rPr lang="en-US" dirty="0" smtClean="0"/>
+              <a:t>Questions?</a:t>
+            </a:r>
+            <a:endParaRPr lang="en-US" dirty="0"/>
+          </a:p>
+        </p:txBody>
+      </p:sp>
+    </p:spTree>
+    <p:extLst>
+      <p:ext uri="{BB962C8B-B14F-4D97-AF65-F5344CB8AC3E}">
+        <p14:creationId xmlns:p14="http://schemas.microsoft.com/office/powerpoint/2010/main" val="1733325867"/>
+      </p:ext>
+    </p:extLst>
+  </p:cSld>
+  <p:clrMapOvr>
+    <a:masterClrMapping/>
+  </p:clrMapOvr>
+</p:sld>
+</file>
+
+<file path=ppt/slides/slide7.xml><?xml version="1.0" encoding="utf-8"?>
 <p:sld xmlns:a="http://schemas.openxmlformats.org/drawingml/2006/main" xmlns:r="http://schemas.openxmlformats.org/officeDocument/2006/relationships" xmlns:p="http://schemas.openxmlformats.org/presentationml/2006/main">
   <p:cSld>
     <p:spTree>
